--- a/deliveries/Codex Naturalis.pptx
+++ b/deliveries/Codex Naturalis.pptx
@@ -5955,10 +5955,26 @@
         <a:lstStyle/>
         <a:p>
           <a:r>
-            <a:rPr lang="it-IT"/>
-            <a:t>State Patter (server controller, cli forse gui)</a:t>
+            <a:rPr lang="it-IT" dirty="0"/>
+            <a:t>State </a:t>
           </a:r>
-          <a:endParaRPr lang="en-US"/>
+          <a:r>
+            <a:rPr lang="it-IT" dirty="0" err="1"/>
+            <a:t>Patter</a:t>
+          </a:r>
+          <a:r>
+            <a:rPr lang="it-IT" dirty="0"/>
+            <a:t> (server controller, cli &amp; </a:t>
+          </a:r>
+          <a:r>
+            <a:rPr lang="it-IT" dirty="0" err="1"/>
+            <a:t>gui</a:t>
+          </a:r>
+          <a:r>
+            <a:rPr lang="it-IT" dirty="0"/>
+            <a:t>)</a:t>
+          </a:r>
+          <a:endParaRPr lang="en-US" dirty="0"/>
         </a:p>
       </dgm:t>
     </dgm:pt>
@@ -8472,10 +8488,26 @@
             <a:buNone/>
           </a:pPr>
           <a:r>
-            <a:rPr lang="it-IT" sz="2200" kern="1200"/>
-            <a:t>State Patter (server controller, cli forse gui)</a:t>
+            <a:rPr lang="it-IT" sz="2200" kern="1200" dirty="0"/>
+            <a:t>State </a:t>
           </a:r>
-          <a:endParaRPr lang="en-US" sz="2200" kern="1200"/>
+          <a:r>
+            <a:rPr lang="it-IT" sz="2200" kern="1200" dirty="0" err="1"/>
+            <a:t>Patter</a:t>
+          </a:r>
+          <a:r>
+            <a:rPr lang="it-IT" sz="2200" kern="1200" dirty="0"/>
+            <a:t> (server controller, cli &amp; </a:t>
+          </a:r>
+          <a:r>
+            <a:rPr lang="it-IT" sz="2200" kern="1200" dirty="0" err="1"/>
+            <a:t>gui</a:t>
+          </a:r>
+          <a:r>
+            <a:rPr lang="it-IT" sz="2200" kern="1200" dirty="0"/>
+            <a:t>)</a:t>
+          </a:r>
+          <a:endParaRPr lang="en-US" sz="2200" kern="1200" dirty="0"/>
         </a:p>
       </dsp:txBody>
       <dsp:txXfrm>
@@ -18902,7 +18934,7 @@
           <a:p>
             <a:fld id="{35ABB4BC-2BDF-4880-A353-743B25E19E26}" type="datetimeFigureOut">
               <a:rPr lang="it-IT" smtClean="0"/>
-              <a:t>30/06/2024</a:t>
+              <a:t>01/07/2024</a:t>
             </a:fld>
             <a:endParaRPr lang="it-IT"/>
           </a:p>
@@ -19100,7 +19132,7 @@
           <a:p>
             <a:fld id="{35ABB4BC-2BDF-4880-A353-743B25E19E26}" type="datetimeFigureOut">
               <a:rPr lang="it-IT" smtClean="0"/>
-              <a:t>30/06/2024</a:t>
+              <a:t>01/07/2024</a:t>
             </a:fld>
             <a:endParaRPr lang="it-IT"/>
           </a:p>
@@ -19308,7 +19340,7 @@
           <a:p>
             <a:fld id="{35ABB4BC-2BDF-4880-A353-743B25E19E26}" type="datetimeFigureOut">
               <a:rPr lang="it-IT" smtClean="0"/>
-              <a:t>30/06/2024</a:t>
+              <a:t>01/07/2024</a:t>
             </a:fld>
             <a:endParaRPr lang="it-IT"/>
           </a:p>
@@ -19506,7 +19538,7 @@
           <a:p>
             <a:fld id="{35ABB4BC-2BDF-4880-A353-743B25E19E26}" type="datetimeFigureOut">
               <a:rPr lang="it-IT" smtClean="0"/>
-              <a:t>30/06/2024</a:t>
+              <a:t>01/07/2024</a:t>
             </a:fld>
             <a:endParaRPr lang="it-IT"/>
           </a:p>
@@ -19781,7 +19813,7 @@
           <a:p>
             <a:fld id="{35ABB4BC-2BDF-4880-A353-743B25E19E26}" type="datetimeFigureOut">
               <a:rPr lang="it-IT" smtClean="0"/>
-              <a:t>30/06/2024</a:t>
+              <a:t>01/07/2024</a:t>
             </a:fld>
             <a:endParaRPr lang="it-IT"/>
           </a:p>
@@ -20046,7 +20078,7 @@
           <a:p>
             <a:fld id="{35ABB4BC-2BDF-4880-A353-743B25E19E26}" type="datetimeFigureOut">
               <a:rPr lang="it-IT" smtClean="0"/>
-              <a:t>30/06/2024</a:t>
+              <a:t>01/07/2024</a:t>
             </a:fld>
             <a:endParaRPr lang="it-IT"/>
           </a:p>
@@ -20458,7 +20490,7 @@
           <a:p>
             <a:fld id="{35ABB4BC-2BDF-4880-A353-743B25E19E26}" type="datetimeFigureOut">
               <a:rPr lang="it-IT" smtClean="0"/>
-              <a:t>30/06/2024</a:t>
+              <a:t>01/07/2024</a:t>
             </a:fld>
             <a:endParaRPr lang="it-IT"/>
           </a:p>
@@ -20599,7 +20631,7 @@
           <a:p>
             <a:fld id="{35ABB4BC-2BDF-4880-A353-743B25E19E26}" type="datetimeFigureOut">
               <a:rPr lang="it-IT" smtClean="0"/>
-              <a:t>30/06/2024</a:t>
+              <a:t>01/07/2024</a:t>
             </a:fld>
             <a:endParaRPr lang="it-IT"/>
           </a:p>
@@ -20712,7 +20744,7 @@
           <a:p>
             <a:fld id="{35ABB4BC-2BDF-4880-A353-743B25E19E26}" type="datetimeFigureOut">
               <a:rPr lang="it-IT" smtClean="0"/>
-              <a:t>30/06/2024</a:t>
+              <a:t>01/07/2024</a:t>
             </a:fld>
             <a:endParaRPr lang="it-IT"/>
           </a:p>
@@ -21023,7 +21055,7 @@
           <a:p>
             <a:fld id="{35ABB4BC-2BDF-4880-A353-743B25E19E26}" type="datetimeFigureOut">
               <a:rPr lang="it-IT" smtClean="0"/>
-              <a:t>30/06/2024</a:t>
+              <a:t>01/07/2024</a:t>
             </a:fld>
             <a:endParaRPr lang="it-IT"/>
           </a:p>
@@ -21311,7 +21343,7 @@
           <a:p>
             <a:fld id="{35ABB4BC-2BDF-4880-A353-743B25E19E26}" type="datetimeFigureOut">
               <a:rPr lang="it-IT" smtClean="0"/>
-              <a:t>30/06/2024</a:t>
+              <a:t>01/07/2024</a:t>
             </a:fld>
             <a:endParaRPr lang="it-IT"/>
           </a:p>
@@ -21552,7 +21584,7 @@
           <a:p>
             <a:fld id="{35ABB4BC-2BDF-4880-A353-743B25E19E26}" type="datetimeFigureOut">
               <a:rPr lang="it-IT" smtClean="0"/>
-              <a:t>30/06/2024</a:t>
+              <a:t>01/07/2024</a:t>
             </a:fld>
             <a:endParaRPr lang="it-IT"/>
           </a:p>
@@ -26838,7 +26870,7 @@
             <p:ph idx="1"/>
             <p:extLst>
               <p:ext uri="{D42A27DB-BD31-4B8C-83A1-F6EECF244321}">
-                <p14:modId xmlns:p14="http://schemas.microsoft.com/office/powerpoint/2010/main" val="4018055465"/>
+                <p14:modId xmlns:p14="http://schemas.microsoft.com/office/powerpoint/2010/main" val="3510468096"/>
               </p:ext>
             </p:extLst>
           </p:nvPr>
